--- a/fuentes/contenidos/grado08/guion09/MA_08_09_REC.pptx
+++ b/fuentes/contenidos/grado08/guion09/MA_08_09_REC.pptx
@@ -450,7 +450,7 @@
           <a:p>
             <a:fld id="{5001C876-01F7-4317-94B9-1AE222133113}" type="datetimeFigureOut">
               <a:rPr lang="es-ES" smtClean="0"/>
-              <a:t>08/01/2016</a:t>
+              <a:t>09/01/2016</a:t>
             </a:fld>
             <a:endParaRPr lang="es-ES"/>
           </a:p>
@@ -1304,6 +1304,16 @@
           <a:p>
             <a:pPr algn="ctr"/>
             <a:r>
+              <a:rPr lang="es-ES" sz="1050" dirty="0">
+                <a:solidFill>
+                  <a:schemeClr val="bg1"/>
+                </a:solidFill>
+                <a:latin typeface="Arial" panose="020B0604020202020204" pitchFamily="34" charset="0"/>
+                <a:cs typeface="Arial" panose="020B0604020202020204" pitchFamily="34" charset="0"/>
+              </a:rPr>
+              <a:t>p</a:t>
+            </a:r>
+            <a:r>
               <a:rPr lang="es-ES" sz="1050" dirty="0" smtClean="0">
                 <a:solidFill>
                   <a:schemeClr val="bg1"/>
@@ -1311,7 +1321,17 @@
                 <a:latin typeface="Arial" panose="020B0604020202020204" pitchFamily="34" charset="0"/>
                 <a:cs typeface="Arial" panose="020B0604020202020204" pitchFamily="34" charset="0"/>
               </a:rPr>
-              <a:t>polígono de tres lados</a:t>
+              <a:t>olígono </a:t>
+            </a:r>
+            <a:r>
+              <a:rPr lang="es-ES" sz="1050" dirty="0" smtClean="0">
+                <a:solidFill>
+                  <a:schemeClr val="bg1"/>
+                </a:solidFill>
+                <a:latin typeface="Arial" panose="020B0604020202020204" pitchFamily="34" charset="0"/>
+                <a:cs typeface="Arial" panose="020B0604020202020204" pitchFamily="34" charset="0"/>
+              </a:rPr>
+              <a:t>de tres lados</a:t>
             </a:r>
             <a:endParaRPr lang="es-ES" sz="1050" dirty="0">
               <a:solidFill>
@@ -1552,7 +1572,7 @@
         <p:spPr>
           <a:xfrm>
             <a:off x="4029246" y="5415339"/>
-            <a:ext cx="1043866" cy="764178"/>
+            <a:ext cx="1043866" cy="873044"/>
           </a:xfrm>
           <a:prstGeom prst="rect">
             <a:avLst/>
@@ -1586,6 +1606,16 @@
           <a:p>
             <a:pPr algn="ctr"/>
             <a:r>
+              <a:rPr lang="es-ES" sz="900" dirty="0">
+                <a:solidFill>
+                  <a:schemeClr val="tx1"/>
+                </a:solidFill>
+                <a:latin typeface="Arial" panose="020B0604020202020204" pitchFamily="34" charset="0"/>
+                <a:cs typeface="Arial" panose="020B0604020202020204" pitchFamily="34" charset="0"/>
+              </a:rPr>
+              <a:t>l</a:t>
+            </a:r>
+            <a:r>
               <a:rPr lang="es-ES" sz="900" dirty="0" smtClean="0">
                 <a:solidFill>
                   <a:schemeClr val="tx1"/>
@@ -1593,7 +1623,17 @@
                 <a:latin typeface="Arial" panose="020B0604020202020204" pitchFamily="34" charset="0"/>
                 <a:cs typeface="Arial" panose="020B0604020202020204" pitchFamily="34" charset="0"/>
               </a:rPr>
-              <a:t>la suma de la medida de los ángulos internos es 180°</a:t>
+              <a:t>a </a:t>
+            </a:r>
+            <a:r>
+              <a:rPr lang="es-ES" sz="900" dirty="0" smtClean="0">
+                <a:solidFill>
+                  <a:schemeClr val="tx1"/>
+                </a:solidFill>
+                <a:latin typeface="Arial" panose="020B0604020202020204" pitchFamily="34" charset="0"/>
+                <a:cs typeface="Arial" panose="020B0604020202020204" pitchFamily="34" charset="0"/>
+              </a:rPr>
+              <a:t>suma de la medida de los ángulos internos es 180°</a:t>
             </a:r>
             <a:endParaRPr lang="es-ES" sz="900" dirty="0">
               <a:solidFill>
@@ -1771,7 +1811,7 @@
         <p:spPr>
           <a:xfrm>
             <a:off x="6258859" y="629441"/>
-            <a:ext cx="1257101" cy="439782"/>
+            <a:ext cx="1442707" cy="439782"/>
           </a:xfrm>
           <a:prstGeom prst="rect">
             <a:avLst/>
@@ -1812,11 +1852,18 @@
           <a:p>
             <a:pPr algn="ctr"/>
             <a:r>
+              <a:rPr lang="es-ES" sz="1200" b="1" dirty="0">
+                <a:latin typeface="Arial" panose="020B0604020202020204" pitchFamily="34" charset="0"/>
+                <a:cs typeface="Arial" panose="020B0604020202020204" pitchFamily="34" charset="0"/>
+              </a:rPr>
+              <a:t>E</a:t>
+            </a:r>
+            <a:r>
               <a:rPr lang="es-ES" sz="1200" b="1" dirty="0" smtClean="0">
                 <a:latin typeface="Arial" panose="020B0604020202020204" pitchFamily="34" charset="0"/>
                 <a:cs typeface="Arial" panose="020B0604020202020204" pitchFamily="34" charset="0"/>
               </a:rPr>
-              <a:t>El cuadrilátero</a:t>
+              <a:t>l cuadrilátero</a:t>
             </a:r>
             <a:endParaRPr lang="es-ES" sz="1200" b="1" dirty="0">
               <a:latin typeface="Arial" panose="020B0604020202020204" pitchFamily="34" charset="0"/>
@@ -1836,8 +1883,8 @@
         </p:nvCxnSpPr>
         <p:spPr>
           <a:xfrm rot="16200000" flipH="1">
-            <a:off x="5720351" y="-537619"/>
-            <a:ext cx="198305" cy="2135813"/>
+            <a:off x="5766753" y="-584020"/>
+            <a:ext cx="198305" cy="2228616"/>
           </a:xfrm>
           <a:prstGeom prst="bentConnector3">
             <a:avLst/>
@@ -1871,7 +1918,7 @@
         </p:nvSpPr>
         <p:spPr>
           <a:xfrm>
-            <a:off x="5293435" y="1499354"/>
+            <a:off x="5334625" y="1499354"/>
             <a:ext cx="1122431" cy="230832"/>
           </a:xfrm>
           <a:prstGeom prst="rect">
@@ -1911,8 +1958,8 @@
         </p:nvCxnSpPr>
         <p:spPr>
           <a:xfrm rot="5400000">
-            <a:off x="6155966" y="767909"/>
-            <a:ext cx="430131" cy="1032759"/>
+            <a:off x="6222962" y="742102"/>
+            <a:ext cx="430131" cy="1084372"/>
           </a:xfrm>
           <a:prstGeom prst="bentConnector3">
             <a:avLst>
@@ -1948,7 +1995,7 @@
         </p:nvSpPr>
         <p:spPr>
           <a:xfrm>
-            <a:off x="5291120" y="2032163"/>
+            <a:off x="5332310" y="2032163"/>
             <a:ext cx="1124746" cy="357473"/>
           </a:xfrm>
           <a:prstGeom prst="rect">
@@ -1992,7 +2039,17 @@
                 <a:latin typeface="Arial" panose="020B0604020202020204" pitchFamily="34" charset="0"/>
                 <a:cs typeface="Arial" panose="020B0604020202020204" pitchFamily="34" charset="0"/>
               </a:rPr>
-              <a:t>polígono de 4 lados</a:t>
+              <a:t>polígono </a:t>
+            </a:r>
+            <a:r>
+              <a:rPr lang="es-ES" sz="1050" dirty="0" smtClean="0">
+                <a:solidFill>
+                  <a:schemeClr val="bg1"/>
+                </a:solidFill>
+                <a:latin typeface="Arial" panose="020B0604020202020204" pitchFamily="34" charset="0"/>
+                <a:cs typeface="Arial" panose="020B0604020202020204" pitchFamily="34" charset="0"/>
+              </a:rPr>
+              <a:t>de cuatro lados</a:t>
             </a:r>
             <a:endParaRPr lang="es-ES" sz="1050" dirty="0">
               <a:solidFill>
@@ -2015,7 +2072,7 @@
         </p:nvCxnSpPr>
         <p:spPr>
           <a:xfrm rot="5400000">
-            <a:off x="5703084" y="1880595"/>
+            <a:off x="5744274" y="1880595"/>
             <a:ext cx="301977" cy="1158"/>
           </a:xfrm>
           <a:prstGeom prst="bentConnector3">
@@ -2052,7 +2109,7 @@
         </p:nvSpPr>
         <p:spPr>
           <a:xfrm>
-            <a:off x="5299463" y="2789408"/>
+            <a:off x="5340653" y="2789408"/>
             <a:ext cx="1117174" cy="230836"/>
           </a:xfrm>
           <a:prstGeom prst="rect">
@@ -2092,7 +2149,7 @@
         </p:nvCxnSpPr>
         <p:spPr>
           <a:xfrm rot="16200000" flipH="1">
-            <a:off x="5655885" y="2587243"/>
+            <a:off x="5697075" y="2587243"/>
             <a:ext cx="399772" cy="4557"/>
           </a:xfrm>
           <a:prstGeom prst="bentConnector3">
@@ -2129,7 +2186,7 @@
         </p:nvSpPr>
         <p:spPr>
           <a:xfrm>
-            <a:off x="5271956" y="3699205"/>
+            <a:off x="5313146" y="3699205"/>
             <a:ext cx="1169508" cy="946711"/>
           </a:xfrm>
           <a:prstGeom prst="rect">
@@ -2224,7 +2281,7 @@
         </p:nvCxnSpPr>
         <p:spPr>
           <a:xfrm rot="5400000">
-            <a:off x="5517900" y="3359054"/>
+            <a:off x="5559090" y="3359054"/>
             <a:ext cx="678961" cy="1340"/>
           </a:xfrm>
           <a:prstGeom prst="bentConnector3">
@@ -2262,7 +2319,7 @@
         <p:spPr>
           <a:xfrm>
             <a:off x="263935" y="5414418"/>
-            <a:ext cx="1263310" cy="756795"/>
+            <a:ext cx="1263310" cy="879290"/>
           </a:xfrm>
           <a:prstGeom prst="rect">
             <a:avLst/>
@@ -2296,6 +2353,16 @@
           <a:p>
             <a:pPr algn="ctr"/>
             <a:r>
+              <a:rPr lang="es-ES" sz="900" dirty="0">
+                <a:solidFill>
+                  <a:schemeClr val="tx1"/>
+                </a:solidFill>
+                <a:latin typeface="Arial" panose="020B0604020202020204" pitchFamily="34" charset="0"/>
+                <a:cs typeface="Arial" panose="020B0604020202020204" pitchFamily="34" charset="0"/>
+              </a:rPr>
+              <a:t>l</a:t>
+            </a:r>
+            <a:r>
               <a:rPr lang="es-ES" sz="900" dirty="0" smtClean="0">
                 <a:solidFill>
                   <a:schemeClr val="tx1"/>
@@ -2303,7 +2370,7 @@
                 <a:latin typeface="Arial" panose="020B0604020202020204" pitchFamily="34" charset="0"/>
                 <a:cs typeface="Arial" panose="020B0604020202020204" pitchFamily="34" charset="0"/>
               </a:rPr>
-              <a:t>la </a:t>
+              <a:t>a </a:t>
             </a:r>
             <a:r>
               <a:rPr lang="es-ES" sz="900" dirty="0">
@@ -2313,7 +2380,67 @@
                 <a:latin typeface="Arial" panose="020B0604020202020204" pitchFamily="34" charset="0"/>
                 <a:cs typeface="Arial" panose="020B0604020202020204" pitchFamily="34" charset="0"/>
               </a:rPr>
-              <a:t>medida de un ángulo externo es igual a la suma de los ángulo internos no adyacentes</a:t>
+              <a:t>medida de un ángulo externo es igual a la </a:t>
+            </a:r>
+            <a:r>
+              <a:rPr lang="es-ES" sz="900" dirty="0" smtClean="0">
+                <a:solidFill>
+                  <a:schemeClr val="tx1"/>
+                </a:solidFill>
+                <a:latin typeface="Arial" panose="020B0604020202020204" pitchFamily="34" charset="0"/>
+                <a:cs typeface="Arial" panose="020B0604020202020204" pitchFamily="34" charset="0"/>
+              </a:rPr>
+              <a:t>adición </a:t>
+            </a:r>
+            <a:r>
+              <a:rPr lang="es-ES" sz="900" dirty="0">
+                <a:solidFill>
+                  <a:schemeClr val="tx1"/>
+                </a:solidFill>
+                <a:latin typeface="Arial" panose="020B0604020202020204" pitchFamily="34" charset="0"/>
+                <a:cs typeface="Arial" panose="020B0604020202020204" pitchFamily="34" charset="0"/>
+              </a:rPr>
+              <a:t>de </a:t>
+            </a:r>
+            <a:r>
+              <a:rPr lang="es-ES" sz="900" dirty="0" smtClean="0">
+                <a:solidFill>
+                  <a:schemeClr val="tx1"/>
+                </a:solidFill>
+                <a:latin typeface="Arial" panose="020B0604020202020204" pitchFamily="34" charset="0"/>
+                <a:cs typeface="Arial" panose="020B0604020202020204" pitchFamily="34" charset="0"/>
+              </a:rPr>
+              <a:t>las medidas de </a:t>
+            </a:r>
+            <a:r>
+              <a:rPr lang="es-ES" sz="900" dirty="0">
+                <a:solidFill>
+                  <a:schemeClr val="tx1"/>
+                </a:solidFill>
+                <a:latin typeface="Arial" panose="020B0604020202020204" pitchFamily="34" charset="0"/>
+                <a:cs typeface="Arial" panose="020B0604020202020204" pitchFamily="34" charset="0"/>
+              </a:rPr>
+              <a:t>los </a:t>
+            </a:r>
+            <a:r>
+              <a:rPr lang="es-ES" sz="900" dirty="0" smtClean="0">
+                <a:solidFill>
+                  <a:schemeClr val="tx1"/>
+                </a:solidFill>
+                <a:latin typeface="Arial" panose="020B0604020202020204" pitchFamily="34" charset="0"/>
+                <a:cs typeface="Arial" panose="020B0604020202020204" pitchFamily="34" charset="0"/>
+              </a:rPr>
+              <a:t>ángulos </a:t>
+            </a:r>
+            <a:r>
+              <a:rPr lang="es-ES" sz="900" dirty="0">
+                <a:solidFill>
+                  <a:schemeClr val="tx1"/>
+                </a:solidFill>
+                <a:latin typeface="Arial" panose="020B0604020202020204" pitchFamily="34" charset="0"/>
+                <a:cs typeface="Arial" panose="020B0604020202020204" pitchFamily="34" charset="0"/>
+              </a:rPr>
+              <a:t>internos no adyacentes</a:t>
             </a:r>
           </a:p>
         </p:txBody>
@@ -2367,7 +2494,7 @@
         <p:spPr>
           <a:xfrm>
             <a:off x="1587943" y="5408330"/>
-            <a:ext cx="1180666" cy="745033"/>
+            <a:ext cx="1180666" cy="880053"/>
           </a:xfrm>
           <a:prstGeom prst="rect">
             <a:avLst/>
@@ -2401,6 +2528,16 @@
           <a:p>
             <a:pPr algn="ctr"/>
             <a:r>
+              <a:rPr lang="es-ES" sz="900" dirty="0">
+                <a:solidFill>
+                  <a:schemeClr val="tx1"/>
+                </a:solidFill>
+                <a:latin typeface="Arial" panose="020B0604020202020204" pitchFamily="34" charset="0"/>
+                <a:cs typeface="Arial" panose="020B0604020202020204" pitchFamily="34" charset="0"/>
+              </a:rPr>
+              <a:t>l</a:t>
+            </a:r>
+            <a:r>
               <a:rPr lang="es-ES" sz="900" dirty="0" smtClean="0">
                 <a:solidFill>
                   <a:schemeClr val="tx1"/>
@@ -2408,7 +2545,7 @@
                 <a:latin typeface="Arial" panose="020B0604020202020204" pitchFamily="34" charset="0"/>
                 <a:cs typeface="Arial" panose="020B0604020202020204" pitchFamily="34" charset="0"/>
               </a:rPr>
-              <a:t>la </a:t>
+              <a:t>a </a:t>
             </a:r>
             <a:r>
               <a:rPr lang="es-ES" sz="900" dirty="0">
@@ -2418,7 +2555,27 @@
                 <a:latin typeface="Arial" panose="020B0604020202020204" pitchFamily="34" charset="0"/>
                 <a:cs typeface="Arial" panose="020B0604020202020204" pitchFamily="34" charset="0"/>
               </a:rPr>
-              <a:t>medida de un lado es menor a la medida de la suma de los otros dos lados</a:t>
+              <a:t>medida de un lado es menor a la medida de la </a:t>
+            </a:r>
+            <a:r>
+              <a:rPr lang="es-ES" sz="900" dirty="0" smtClean="0">
+                <a:solidFill>
+                  <a:schemeClr val="tx1"/>
+                </a:solidFill>
+                <a:latin typeface="Arial" panose="020B0604020202020204" pitchFamily="34" charset="0"/>
+                <a:cs typeface="Arial" panose="020B0604020202020204" pitchFamily="34" charset="0"/>
+              </a:rPr>
+              <a:t>adición </a:t>
+            </a:r>
+            <a:r>
+              <a:rPr lang="es-ES" sz="900" dirty="0">
+                <a:solidFill>
+                  <a:schemeClr val="tx1"/>
+                </a:solidFill>
+                <a:latin typeface="Arial" panose="020B0604020202020204" pitchFamily="34" charset="0"/>
+                <a:cs typeface="Arial" panose="020B0604020202020204" pitchFamily="34" charset="0"/>
+              </a:rPr>
+              <a:t>de los otros dos lados</a:t>
             </a:r>
           </a:p>
         </p:txBody>
@@ -2472,7 +2629,7 @@
         <p:spPr>
           <a:xfrm>
             <a:off x="2845648" y="5409453"/>
-            <a:ext cx="1112701" cy="769913"/>
+            <a:ext cx="1112701" cy="878930"/>
           </a:xfrm>
           <a:prstGeom prst="rect">
             <a:avLst/>
@@ -2690,6 +2847,16 @@
           <a:p>
             <a:pPr algn="ctr"/>
             <a:r>
+              <a:rPr lang="es-ES" sz="1050" dirty="0">
+                <a:solidFill>
+                  <a:schemeClr val="bg1"/>
+                </a:solidFill>
+                <a:latin typeface="Arial" panose="020B0604020202020204" pitchFamily="34" charset="0"/>
+                <a:cs typeface="Arial" panose="020B0604020202020204" pitchFamily="34" charset="0"/>
+              </a:rPr>
+              <a:t>c</a:t>
+            </a:r>
+            <a:r>
               <a:rPr lang="es-ES" sz="1050" dirty="0" smtClean="0">
                 <a:solidFill>
                   <a:schemeClr val="bg1"/>
@@ -2697,7 +2864,7 @@
                 <a:latin typeface="Arial" panose="020B0604020202020204" pitchFamily="34" charset="0"/>
                 <a:cs typeface="Arial" panose="020B0604020202020204" pitchFamily="34" charset="0"/>
               </a:rPr>
-              <a:t>congruentes</a:t>
+              <a:t>ongruentes</a:t>
             </a:r>
             <a:endParaRPr lang="es-ES" sz="1050" dirty="0">
               <a:solidFill>
@@ -2831,6 +2998,16 @@
           <a:p>
             <a:pPr algn="ctr"/>
             <a:r>
+              <a:rPr lang="es-ES" sz="900" dirty="0">
+                <a:solidFill>
+                  <a:schemeClr val="tx1"/>
+                </a:solidFill>
+                <a:latin typeface="Arial" panose="020B0604020202020204" pitchFamily="34" charset="0"/>
+                <a:cs typeface="Arial" panose="020B0604020202020204" pitchFamily="34" charset="0"/>
+              </a:rPr>
+              <a:t>l</a:t>
+            </a:r>
+            <a:r>
               <a:rPr lang="es-ES" sz="900" dirty="0" smtClean="0">
                 <a:solidFill>
                   <a:schemeClr val="tx1"/>
@@ -2838,7 +3015,17 @@
                 <a:latin typeface="Arial" panose="020B0604020202020204" pitchFamily="34" charset="0"/>
                 <a:cs typeface="Arial" panose="020B0604020202020204" pitchFamily="34" charset="0"/>
               </a:rPr>
-              <a:t>lados correspondientes tienen la misma longitud</a:t>
+              <a:t>ados </a:t>
+            </a:r>
+            <a:r>
+              <a:rPr lang="es-ES" sz="900" dirty="0" smtClean="0">
+                <a:solidFill>
+                  <a:schemeClr val="tx1"/>
+                </a:solidFill>
+                <a:latin typeface="Arial" panose="020B0604020202020204" pitchFamily="34" charset="0"/>
+                <a:cs typeface="Arial" panose="020B0604020202020204" pitchFamily="34" charset="0"/>
+              </a:rPr>
+              <a:t>correspondientes tienen la misma longitud</a:t>
             </a:r>
             <a:endParaRPr lang="es-ES" sz="900" dirty="0">
               <a:solidFill>
@@ -2992,7 +3179,17 @@
                 <a:latin typeface="Arial" panose="020B0604020202020204" pitchFamily="34" charset="0"/>
                 <a:cs typeface="Arial" panose="020B0604020202020204" pitchFamily="34" charset="0"/>
               </a:rPr>
-              <a:t>ngulos correspondientes tienen la misma medida</a:t>
+              <a:t>ngulos </a:t>
+            </a:r>
+            <a:r>
+              <a:rPr lang="es-ES" sz="900" dirty="0" smtClean="0">
+                <a:solidFill>
+                  <a:schemeClr val="tx1"/>
+                </a:solidFill>
+                <a:latin typeface="Arial" panose="020B0604020202020204" pitchFamily="34" charset="0"/>
+                <a:cs typeface="Arial" panose="020B0604020202020204" pitchFamily="34" charset="0"/>
+              </a:rPr>
+              <a:t>correspondientes tienen la misma medida</a:t>
             </a:r>
             <a:endParaRPr lang="es-ES" sz="900" dirty="0">
               <a:solidFill>
@@ -3052,7 +3249,7 @@
         </p:nvSpPr>
         <p:spPr>
           <a:xfrm>
-            <a:off x="3761426" y="1533713"/>
+            <a:off x="3802616" y="1533713"/>
             <a:ext cx="1122431" cy="230832"/>
           </a:xfrm>
           <a:prstGeom prst="rect">
@@ -3072,7 +3269,7 @@
                 <a:latin typeface="Arial" panose="020B0604020202020204" pitchFamily="34" charset="0"/>
                 <a:cs typeface="Arial" panose="020B0604020202020204" pitchFamily="34" charset="0"/>
               </a:rPr>
-              <a:t>tienen</a:t>
+              <a:t>tiene</a:t>
             </a:r>
             <a:endParaRPr lang="es-ES" sz="900" dirty="0">
               <a:latin typeface="Arial" panose="020B0604020202020204" pitchFamily="34" charset="0"/>
@@ -3089,8 +3286,8 @@
         </p:nvSpPr>
         <p:spPr>
           <a:xfrm>
-            <a:off x="3761426" y="2035961"/>
-            <a:ext cx="1124746" cy="357473"/>
+            <a:off x="3778177" y="2039618"/>
+            <a:ext cx="1166717" cy="357473"/>
           </a:xfrm>
           <a:prstGeom prst="rect">
             <a:avLst/>
@@ -3126,6 +3323,16 @@
           <a:p>
             <a:pPr algn="ctr"/>
             <a:r>
+              <a:rPr lang="es-ES" sz="1050" dirty="0">
+                <a:solidFill>
+                  <a:schemeClr val="bg1"/>
+                </a:solidFill>
+                <a:latin typeface="Arial" panose="020B0604020202020204" pitchFamily="34" charset="0"/>
+                <a:cs typeface="Arial" panose="020B0604020202020204" pitchFamily="34" charset="0"/>
+              </a:rPr>
+              <a:t>l</a:t>
+            </a:r>
+            <a:r>
               <a:rPr lang="es-ES" sz="1050" dirty="0" smtClean="0">
                 <a:solidFill>
                   <a:schemeClr val="bg1"/>
@@ -3133,7 +3340,17 @@
                 <a:latin typeface="Arial" panose="020B0604020202020204" pitchFamily="34" charset="0"/>
                 <a:cs typeface="Arial" panose="020B0604020202020204" pitchFamily="34" charset="0"/>
               </a:rPr>
-              <a:t>líneas y puntos notables</a:t>
+              <a:t>íneas </a:t>
+            </a:r>
+            <a:r>
+              <a:rPr lang="es-ES" sz="1050" dirty="0" smtClean="0">
+                <a:solidFill>
+                  <a:schemeClr val="bg1"/>
+                </a:solidFill>
+                <a:latin typeface="Arial" panose="020B0604020202020204" pitchFamily="34" charset="0"/>
+                <a:cs typeface="Arial" panose="020B0604020202020204" pitchFamily="34" charset="0"/>
+              </a:rPr>
+              <a:t>y puntos notables</a:t>
             </a:r>
             <a:endParaRPr lang="es-ES" sz="1050" dirty="0">
               <a:solidFill>
@@ -3155,9 +3372,9 @@
           <p:nvPr/>
         </p:nvCxnSpPr>
         <p:spPr>
-          <a:xfrm rot="16200000" flipH="1">
-            <a:off x="4187512" y="1899674"/>
-            <a:ext cx="271416" cy="1157"/>
+          <a:xfrm rot="5400000">
+            <a:off x="4225148" y="1900933"/>
+            <a:ext cx="275073" cy="2296"/>
           </a:xfrm>
           <a:prstGeom prst="bentConnector3">
             <a:avLst>
@@ -3193,7 +3410,7 @@
         </p:nvSpPr>
         <p:spPr>
           <a:xfrm>
-            <a:off x="3767498" y="2789408"/>
+            <a:off x="3800450" y="2789408"/>
             <a:ext cx="1117174" cy="230836"/>
           </a:xfrm>
           <a:prstGeom prst="rect">
@@ -3230,8 +3447,8 @@
         </p:nvSpPr>
         <p:spPr>
           <a:xfrm>
-            <a:off x="3460469" y="3701127"/>
-            <a:ext cx="820618" cy="944790"/>
+            <a:off x="3460468" y="3701127"/>
+            <a:ext cx="862173" cy="944790"/>
           </a:xfrm>
           <a:prstGeom prst="rect">
             <a:avLst/>
@@ -3273,11 +3490,38 @@
                 <a:latin typeface="Arial" panose="020B0604020202020204" pitchFamily="34" charset="0"/>
                 <a:cs typeface="Arial" panose="020B0604020202020204" pitchFamily="34" charset="0"/>
               </a:rPr>
-              <a:t>Alturas</a:t>
-            </a:r>
+              <a:t>• a</a:t>
+            </a:r>
+            <a:r>
+              <a:rPr lang="es-ES" sz="900" dirty="0" smtClean="0">
+                <a:solidFill>
+                  <a:schemeClr val="tx1"/>
+                </a:solidFill>
+                <a:latin typeface="Arial" panose="020B0604020202020204" pitchFamily="34" charset="0"/>
+                <a:cs typeface="Arial" panose="020B0604020202020204" pitchFamily="34" charset="0"/>
+              </a:rPr>
+              <a:t>lturas</a:t>
+            </a:r>
+            <a:endParaRPr lang="es-ES" sz="900" dirty="0" smtClean="0">
+              <a:solidFill>
+                <a:schemeClr val="tx1"/>
+              </a:solidFill>
+              <a:latin typeface="Arial" panose="020B0604020202020204" pitchFamily="34" charset="0"/>
+              <a:cs typeface="Arial" panose="020B0604020202020204" pitchFamily="34" charset="0"/>
+            </a:endParaRPr>
           </a:p>
           <a:p>
             <a:r>
+              <a:rPr lang="es-ES" sz="900" dirty="0">
+                <a:solidFill>
+                  <a:schemeClr val="tx1"/>
+                </a:solidFill>
+                <a:latin typeface="Arial" panose="020B0604020202020204" pitchFamily="34" charset="0"/>
+                <a:cs typeface="Arial" panose="020B0604020202020204" pitchFamily="34" charset="0"/>
+              </a:rPr>
+              <a:t>• </a:t>
+            </a:r>
+            <a:r>
               <a:rPr lang="es-ES" sz="900" dirty="0" smtClean="0">
                 <a:solidFill>
                   <a:schemeClr val="tx1"/>
@@ -3285,11 +3529,38 @@
                 <a:latin typeface="Arial" panose="020B0604020202020204" pitchFamily="34" charset="0"/>
                 <a:cs typeface="Arial" panose="020B0604020202020204" pitchFamily="34" charset="0"/>
               </a:rPr>
-              <a:t>Medianas</a:t>
-            </a:r>
+              <a:t>m</a:t>
+            </a:r>
+            <a:r>
+              <a:rPr lang="es-ES" sz="900" dirty="0" smtClean="0">
+                <a:solidFill>
+                  <a:schemeClr val="tx1"/>
+                </a:solidFill>
+                <a:latin typeface="Arial" panose="020B0604020202020204" pitchFamily="34" charset="0"/>
+                <a:cs typeface="Arial" panose="020B0604020202020204" pitchFamily="34" charset="0"/>
+              </a:rPr>
+              <a:t>edianas</a:t>
+            </a:r>
+            <a:endParaRPr lang="es-ES" sz="900" dirty="0" smtClean="0">
+              <a:solidFill>
+                <a:schemeClr val="tx1"/>
+              </a:solidFill>
+              <a:latin typeface="Arial" panose="020B0604020202020204" pitchFamily="34" charset="0"/>
+              <a:cs typeface="Arial" panose="020B0604020202020204" pitchFamily="34" charset="0"/>
+            </a:endParaRPr>
           </a:p>
           <a:p>
             <a:r>
+              <a:rPr lang="es-ES" sz="900" dirty="0">
+                <a:solidFill>
+                  <a:schemeClr val="tx1"/>
+                </a:solidFill>
+                <a:latin typeface="Arial" panose="020B0604020202020204" pitchFamily="34" charset="0"/>
+                <a:cs typeface="Arial" panose="020B0604020202020204" pitchFamily="34" charset="0"/>
+              </a:rPr>
+              <a:t>• </a:t>
+            </a:r>
+            <a:r>
               <a:rPr lang="es-ES" sz="900" dirty="0" smtClean="0">
                 <a:solidFill>
                   <a:schemeClr val="tx1"/>
@@ -3297,11 +3568,38 @@
                 <a:latin typeface="Arial" panose="020B0604020202020204" pitchFamily="34" charset="0"/>
                 <a:cs typeface="Arial" panose="020B0604020202020204" pitchFamily="34" charset="0"/>
               </a:rPr>
-              <a:t>Mediatrices</a:t>
-            </a:r>
+              <a:t>m</a:t>
+            </a:r>
+            <a:r>
+              <a:rPr lang="es-ES" sz="900" dirty="0" smtClean="0">
+                <a:solidFill>
+                  <a:schemeClr val="tx1"/>
+                </a:solidFill>
+                <a:latin typeface="Arial" panose="020B0604020202020204" pitchFamily="34" charset="0"/>
+                <a:cs typeface="Arial" panose="020B0604020202020204" pitchFamily="34" charset="0"/>
+              </a:rPr>
+              <a:t>ediatrices</a:t>
+            </a:r>
+            <a:endParaRPr lang="es-ES" sz="900" dirty="0" smtClean="0">
+              <a:solidFill>
+                <a:schemeClr val="tx1"/>
+              </a:solidFill>
+              <a:latin typeface="Arial" panose="020B0604020202020204" pitchFamily="34" charset="0"/>
+              <a:cs typeface="Arial" panose="020B0604020202020204" pitchFamily="34" charset="0"/>
+            </a:endParaRPr>
           </a:p>
           <a:p>
             <a:r>
+              <a:rPr lang="es-ES" sz="900" dirty="0">
+                <a:solidFill>
+                  <a:schemeClr val="tx1"/>
+                </a:solidFill>
+                <a:latin typeface="Arial" panose="020B0604020202020204" pitchFamily="34" charset="0"/>
+                <a:cs typeface="Arial" panose="020B0604020202020204" pitchFamily="34" charset="0"/>
+              </a:rPr>
+              <a:t>• </a:t>
+            </a:r>
+            <a:r>
               <a:rPr lang="es-ES" sz="900" dirty="0" smtClean="0">
                 <a:solidFill>
                   <a:schemeClr val="tx1"/>
@@ -3309,7 +3607,17 @@
                 <a:latin typeface="Arial" panose="020B0604020202020204" pitchFamily="34" charset="0"/>
                 <a:cs typeface="Arial" panose="020B0604020202020204" pitchFamily="34" charset="0"/>
               </a:rPr>
-              <a:t>Bisectrices</a:t>
+              <a:t>b</a:t>
+            </a:r>
+            <a:r>
+              <a:rPr lang="es-ES" sz="900" dirty="0" smtClean="0">
+                <a:solidFill>
+                  <a:schemeClr val="tx1"/>
+                </a:solidFill>
+                <a:latin typeface="Arial" panose="020B0604020202020204" pitchFamily="34" charset="0"/>
+                <a:cs typeface="Arial" panose="020B0604020202020204" pitchFamily="34" charset="0"/>
+              </a:rPr>
+              <a:t>isectrices</a:t>
             </a:r>
             <a:endParaRPr lang="es-ES" sz="900" dirty="0">
               <a:solidFill>
@@ -3332,8 +3640,8 @@
         </p:nvCxnSpPr>
         <p:spPr>
           <a:xfrm rot="5400000">
-            <a:off x="3757991" y="3133032"/>
-            <a:ext cx="680883" cy="455307"/>
+            <a:off x="3784855" y="3126944"/>
+            <a:ext cx="680883" cy="467482"/>
           </a:xfrm>
           <a:prstGeom prst="bentConnector3">
             <a:avLst>
@@ -3371,9 +3679,9 @@
           <p:nvPr/>
         </p:nvCxnSpPr>
         <p:spPr>
-          <a:xfrm rot="16200000" flipH="1">
-            <a:off x="4126955" y="2590278"/>
-            <a:ext cx="395974" cy="2286"/>
+          <a:xfrm rot="5400000">
+            <a:off x="4164129" y="2592000"/>
+            <a:ext cx="392317" cy="2499"/>
           </a:xfrm>
           <a:prstGeom prst="bentConnector3">
             <a:avLst>
@@ -3412,8 +3720,8 @@
         </p:nvCxnSpPr>
         <p:spPr>
           <a:xfrm rot="16200000" flipH="1">
-            <a:off x="4206194" y="3140135"/>
-            <a:ext cx="678962" cy="439180"/>
+            <a:off x="4250202" y="3129078"/>
+            <a:ext cx="678962" cy="461293"/>
           </a:xfrm>
           <a:prstGeom prst="bentConnector3">
             <a:avLst>
@@ -3449,8 +3757,8 @@
         </p:nvSpPr>
         <p:spPr>
           <a:xfrm>
-            <a:off x="4335071" y="3699206"/>
-            <a:ext cx="860388" cy="946711"/>
+            <a:off x="4368023" y="3699206"/>
+            <a:ext cx="904614" cy="946711"/>
           </a:xfrm>
           <a:prstGeom prst="rect">
             <a:avLst/>
@@ -3485,14 +3793,34 @@
           <a:lstStyle/>
           <a:p>
             <a:r>
-              <a:rPr lang="es-ES" sz="900" dirty="0" err="1">
-                <a:solidFill>
-                  <a:schemeClr val="tx1"/>
-                </a:solidFill>
-                <a:latin typeface="Arial" panose="020B0604020202020204" pitchFamily="34" charset="0"/>
-                <a:cs typeface="Arial" panose="020B0604020202020204" pitchFamily="34" charset="0"/>
-              </a:rPr>
-              <a:t>Ortocentro</a:t>
+              <a:rPr lang="es-ES" sz="900" dirty="0">
+                <a:solidFill>
+                  <a:schemeClr val="tx1"/>
+                </a:solidFill>
+                <a:latin typeface="Arial" panose="020B0604020202020204" pitchFamily="34" charset="0"/>
+                <a:cs typeface="Arial" panose="020B0604020202020204" pitchFamily="34" charset="0"/>
+              </a:rPr>
+              <a:t>• </a:t>
+            </a:r>
+            <a:r>
+              <a:rPr lang="es-ES" sz="900" dirty="0" err="1" smtClean="0">
+                <a:solidFill>
+                  <a:schemeClr val="tx1"/>
+                </a:solidFill>
+                <a:latin typeface="Arial" panose="020B0604020202020204" pitchFamily="34" charset="0"/>
+                <a:cs typeface="Arial" panose="020B0604020202020204" pitchFamily="34" charset="0"/>
+              </a:rPr>
+              <a:t>o</a:t>
+            </a:r>
+            <a:r>
+              <a:rPr lang="es-ES" sz="900" dirty="0" err="1" smtClean="0">
+                <a:solidFill>
+                  <a:schemeClr val="tx1"/>
+                </a:solidFill>
+                <a:latin typeface="Arial" panose="020B0604020202020204" pitchFamily="34" charset="0"/>
+                <a:cs typeface="Arial" panose="020B0604020202020204" pitchFamily="34" charset="0"/>
+              </a:rPr>
+              <a:t>rtocentro</a:t>
             </a:r>
             <a:endParaRPr lang="es-ES" sz="900" dirty="0">
               <a:solidFill>
@@ -3511,19 +3839,27 @@
                 <a:latin typeface="Arial" panose="020B0604020202020204" pitchFamily="34" charset="0"/>
                 <a:cs typeface="Arial" panose="020B0604020202020204" pitchFamily="34" charset="0"/>
               </a:rPr>
-              <a:t>Baricentro</a:t>
-            </a:r>
-          </a:p>
-          <a:p>
-            <a:r>
-              <a:rPr lang="es-ES" sz="900" dirty="0" err="1">
-                <a:solidFill>
-                  <a:schemeClr val="tx1"/>
-                </a:solidFill>
-                <a:latin typeface="Arial" panose="020B0604020202020204" pitchFamily="34" charset="0"/>
-                <a:cs typeface="Arial" panose="020B0604020202020204" pitchFamily="34" charset="0"/>
-              </a:rPr>
-              <a:t>Circuncentro</a:t>
+              <a:t>• </a:t>
+            </a:r>
+            <a:r>
+              <a:rPr lang="es-ES" sz="900" dirty="0" smtClean="0">
+                <a:solidFill>
+                  <a:schemeClr val="tx1"/>
+                </a:solidFill>
+                <a:latin typeface="Arial" panose="020B0604020202020204" pitchFamily="34" charset="0"/>
+                <a:cs typeface="Arial" panose="020B0604020202020204" pitchFamily="34" charset="0"/>
+              </a:rPr>
+              <a:t>b</a:t>
+            </a:r>
+            <a:r>
+              <a:rPr lang="es-ES" sz="900" dirty="0" smtClean="0">
+                <a:solidFill>
+                  <a:schemeClr val="tx1"/>
+                </a:solidFill>
+                <a:latin typeface="Arial" panose="020B0604020202020204" pitchFamily="34" charset="0"/>
+                <a:cs typeface="Arial" panose="020B0604020202020204" pitchFamily="34" charset="0"/>
+              </a:rPr>
+              <a:t>aricentro</a:t>
             </a:r>
             <a:endParaRPr lang="es-ES" sz="900" dirty="0">
               <a:solidFill>
@@ -3535,14 +3871,73 @@
           </a:p>
           <a:p>
             <a:r>
-              <a:rPr lang="es-ES" sz="900" dirty="0" err="1">
-                <a:solidFill>
-                  <a:schemeClr val="tx1"/>
-                </a:solidFill>
-                <a:latin typeface="Arial" panose="020B0604020202020204" pitchFamily="34" charset="0"/>
-                <a:cs typeface="Arial" panose="020B0604020202020204" pitchFamily="34" charset="0"/>
-              </a:rPr>
-              <a:t>Incentro</a:t>
+              <a:rPr lang="es-ES" sz="900" dirty="0">
+                <a:solidFill>
+                  <a:schemeClr val="tx1"/>
+                </a:solidFill>
+                <a:latin typeface="Arial" panose="020B0604020202020204" pitchFamily="34" charset="0"/>
+                <a:cs typeface="Arial" panose="020B0604020202020204" pitchFamily="34" charset="0"/>
+              </a:rPr>
+              <a:t>• </a:t>
+            </a:r>
+            <a:r>
+              <a:rPr lang="es-ES" sz="900" dirty="0" err="1" smtClean="0">
+                <a:solidFill>
+                  <a:schemeClr val="tx1"/>
+                </a:solidFill>
+                <a:latin typeface="Arial" panose="020B0604020202020204" pitchFamily="34" charset="0"/>
+                <a:cs typeface="Arial" panose="020B0604020202020204" pitchFamily="34" charset="0"/>
+              </a:rPr>
+              <a:t>c</a:t>
+            </a:r>
+            <a:r>
+              <a:rPr lang="es-ES" sz="900" dirty="0" err="1" smtClean="0">
+                <a:solidFill>
+                  <a:schemeClr val="tx1"/>
+                </a:solidFill>
+                <a:latin typeface="Arial" panose="020B0604020202020204" pitchFamily="34" charset="0"/>
+                <a:cs typeface="Arial" panose="020B0604020202020204" pitchFamily="34" charset="0"/>
+              </a:rPr>
+              <a:t>ircuncentro</a:t>
+            </a:r>
+            <a:endParaRPr lang="es-ES" sz="900" dirty="0">
+              <a:solidFill>
+                <a:schemeClr val="tx1"/>
+              </a:solidFill>
+              <a:latin typeface="Arial" panose="020B0604020202020204" pitchFamily="34" charset="0"/>
+              <a:cs typeface="Arial" panose="020B0604020202020204" pitchFamily="34" charset="0"/>
+            </a:endParaRPr>
+          </a:p>
+          <a:p>
+            <a:r>
+              <a:rPr lang="es-ES" sz="900" dirty="0">
+                <a:solidFill>
+                  <a:schemeClr val="tx1"/>
+                </a:solidFill>
+                <a:latin typeface="Arial" panose="020B0604020202020204" pitchFamily="34" charset="0"/>
+                <a:cs typeface="Arial" panose="020B0604020202020204" pitchFamily="34" charset="0"/>
+              </a:rPr>
+              <a:t>• </a:t>
+            </a:r>
+            <a:r>
+              <a:rPr lang="es-ES" sz="900" dirty="0" err="1" smtClean="0">
+                <a:solidFill>
+                  <a:schemeClr val="tx1"/>
+                </a:solidFill>
+                <a:latin typeface="Arial" panose="020B0604020202020204" pitchFamily="34" charset="0"/>
+                <a:cs typeface="Arial" panose="020B0604020202020204" pitchFamily="34" charset="0"/>
+              </a:rPr>
+              <a:t>i</a:t>
+            </a:r>
+            <a:r>
+              <a:rPr lang="es-ES" sz="900" dirty="0" err="1" smtClean="0">
+                <a:solidFill>
+                  <a:schemeClr val="tx1"/>
+                </a:solidFill>
+                <a:latin typeface="Arial" panose="020B0604020202020204" pitchFamily="34" charset="0"/>
+                <a:cs typeface="Arial" panose="020B0604020202020204" pitchFamily="34" charset="0"/>
+              </a:rPr>
+              <a:t>ncentro</a:t>
             </a:r>
             <a:endParaRPr lang="es-ES" sz="900" dirty="0">
               <a:solidFill>
@@ -3565,8 +3960,8 @@
         </p:nvCxnSpPr>
         <p:spPr>
           <a:xfrm rot="16200000" flipH="1">
-            <a:off x="3331247" y="542317"/>
-            <a:ext cx="471073" cy="1511718"/>
+            <a:off x="3351842" y="521722"/>
+            <a:ext cx="471073" cy="1552908"/>
           </a:xfrm>
           <a:prstGeom prst="bentConnector3">
             <a:avLst>
@@ -3642,8 +4037,8 @@
         </p:nvCxnSpPr>
         <p:spPr>
           <a:xfrm rot="16200000" flipH="1">
-            <a:off x="7179144" y="777489"/>
-            <a:ext cx="430130" cy="1013598"/>
+            <a:off x="7225545" y="823890"/>
+            <a:ext cx="430130" cy="920795"/>
           </a:xfrm>
           <a:prstGeom prst="bentConnector3">
             <a:avLst>
@@ -3716,14 +4111,14 @@
           <a:p>
             <a:pPr algn="ctr"/>
             <a:r>
-              <a:rPr lang="es-ES" sz="1050" dirty="0">
+              <a:rPr lang="es-ES" sz="1050" dirty="0" smtClean="0">
                 <a:solidFill>
                   <a:schemeClr val="bg1"/>
                 </a:solidFill>
                 <a:latin typeface="Arial" panose="020B0604020202020204" pitchFamily="34" charset="0"/>
                 <a:cs typeface="Arial" panose="020B0604020202020204" pitchFamily="34" charset="0"/>
               </a:rPr>
-              <a:t>e</a:t>
+              <a:t>el </a:t>
             </a:r>
             <a:r>
               <a:rPr lang="es-ES" sz="1050" dirty="0" smtClean="0">
@@ -3733,7 +4128,7 @@
                 <a:latin typeface="Arial" panose="020B0604020202020204" pitchFamily="34" charset="0"/>
                 <a:cs typeface="Arial" panose="020B0604020202020204" pitchFamily="34" charset="0"/>
               </a:rPr>
-              <a:t>l paralelismo de sus lados</a:t>
+              <a:t>paralelismo de sus lados</a:t>
             </a:r>
             <a:endParaRPr lang="es-ES" sz="1050" dirty="0">
               <a:solidFill>
@@ -3793,7 +4188,7 @@
         </p:nvSpPr>
         <p:spPr>
           <a:xfrm>
-            <a:off x="7336811" y="2793833"/>
+            <a:off x="7345049" y="2793833"/>
             <a:ext cx="1117174" cy="230836"/>
           </a:xfrm>
           <a:prstGeom prst="rect">
@@ -3839,9 +4234,9 @@
           <p:nvPr/>
         </p:nvCxnSpPr>
         <p:spPr>
-          <a:xfrm rot="5400000">
-            <a:off x="7695139" y="2589121"/>
-            <a:ext cx="404971" cy="4452"/>
+          <a:xfrm rot="16200000" flipH="1">
+            <a:off x="7699258" y="2589454"/>
+            <a:ext cx="404971" cy="3786"/>
           </a:xfrm>
           <a:prstGeom prst="bentConnector3">
             <a:avLst>
@@ -3880,8 +4275,8 @@
         </p:nvCxnSpPr>
         <p:spPr>
           <a:xfrm rot="5400000">
-            <a:off x="7115628" y="2911197"/>
-            <a:ext cx="666298" cy="893242"/>
+            <a:off x="7136223" y="2923554"/>
+            <a:ext cx="666298" cy="868528"/>
           </a:xfrm>
           <a:prstGeom prst="bentConnector3">
             <a:avLst>
@@ -3920,7 +4315,7 @@
         </p:nvCxnSpPr>
         <p:spPr>
           <a:xfrm rot="16200000" flipH="1">
-            <a:off x="6606561" y="5033156"/>
+            <a:off x="6639513" y="5033156"/>
             <a:ext cx="794254" cy="3064"/>
           </a:xfrm>
           <a:prstGeom prst="bentConnector3">
@@ -3960,8 +4355,8 @@
         </p:nvCxnSpPr>
         <p:spPr>
           <a:xfrm rot="16200000" flipH="1">
-            <a:off x="8317132" y="5028895"/>
-            <a:ext cx="768620" cy="2426"/>
+            <a:off x="8317133" y="5028894"/>
+            <a:ext cx="768619" cy="2426"/>
           </a:xfrm>
           <a:prstGeom prst="bentConnector3">
             <a:avLst>
@@ -4033,6 +4428,16 @@
           <a:lstStyle/>
           <a:p>
             <a:r>
+              <a:rPr lang="es-ES" sz="900" dirty="0">
+                <a:solidFill>
+                  <a:schemeClr val="tx1"/>
+                </a:solidFill>
+                <a:latin typeface="Arial" panose="020B0604020202020204" pitchFamily="34" charset="0"/>
+                <a:cs typeface="Arial" panose="020B0604020202020204" pitchFamily="34" charset="0"/>
+              </a:rPr>
+              <a:t>t</a:t>
+            </a:r>
+            <a:r>
               <a:rPr lang="es-ES" sz="900" dirty="0" smtClean="0">
                 <a:solidFill>
                   <a:schemeClr val="tx1"/>
@@ -4040,7 +4445,7 @@
                 <a:latin typeface="Arial" panose="020B0604020202020204" pitchFamily="34" charset="0"/>
                 <a:cs typeface="Arial" panose="020B0604020202020204" pitchFamily="34" charset="0"/>
               </a:rPr>
-              <a:t>Trapezoides</a:t>
+              <a:t>rapezoides</a:t>
             </a:r>
             <a:endParaRPr lang="es-ES" sz="900" dirty="0">
               <a:solidFill>
@@ -4060,8 +4465,8 @@
         </p:nvSpPr>
         <p:spPr>
           <a:xfrm>
-            <a:off x="6658410" y="5431815"/>
-            <a:ext cx="693619" cy="764178"/>
+            <a:off x="6691362" y="5431815"/>
+            <a:ext cx="693619" cy="856568"/>
           </a:xfrm>
           <a:prstGeom prst="rect">
             <a:avLst/>
@@ -4112,7 +4517,17 @@
                 <a:latin typeface="Arial" panose="020B0604020202020204" pitchFamily="34" charset="0"/>
                 <a:cs typeface="Arial" panose="020B0604020202020204" pitchFamily="34" charset="0"/>
               </a:rPr>
-              <a:t>os lados son paralelos dos a dos</a:t>
+              <a:t>os </a:t>
+            </a:r>
+            <a:r>
+              <a:rPr lang="es-ES" sz="900" dirty="0" smtClean="0">
+                <a:solidFill>
+                  <a:schemeClr val="tx1"/>
+                </a:solidFill>
+                <a:latin typeface="Arial" panose="020B0604020202020204" pitchFamily="34" charset="0"/>
+                <a:cs typeface="Arial" panose="020B0604020202020204" pitchFamily="34" charset="0"/>
+              </a:rPr>
+              <a:t>lados son paralelos dos a dos</a:t>
             </a:r>
             <a:endParaRPr lang="es-ES" sz="900" dirty="0">
               <a:solidFill>
@@ -4132,7 +4547,7 @@
         </p:nvSpPr>
         <p:spPr>
           <a:xfrm>
-            <a:off x="6503350" y="3690967"/>
+            <a:off x="6536302" y="3690967"/>
             <a:ext cx="997611" cy="946594"/>
           </a:xfrm>
           <a:prstGeom prst="rect">
@@ -4168,6 +4583,16 @@
           <a:lstStyle/>
           <a:p>
             <a:r>
+              <a:rPr lang="es-ES" sz="900" dirty="0">
+                <a:solidFill>
+                  <a:schemeClr val="tx1"/>
+                </a:solidFill>
+                <a:latin typeface="Arial" panose="020B0604020202020204" pitchFamily="34" charset="0"/>
+                <a:cs typeface="Arial" panose="020B0604020202020204" pitchFamily="34" charset="0"/>
+              </a:rPr>
+              <a:t>p</a:t>
+            </a:r>
+            <a:r>
               <a:rPr lang="es-ES" sz="900" dirty="0" smtClean="0">
                 <a:solidFill>
                   <a:schemeClr val="tx1"/>
@@ -4175,8 +4600,15 @@
                 <a:latin typeface="Arial" panose="020B0604020202020204" pitchFamily="34" charset="0"/>
                 <a:cs typeface="Arial" panose="020B0604020202020204" pitchFamily="34" charset="0"/>
               </a:rPr>
-              <a:t>Paralelogramos</a:t>
-            </a:r>
+              <a:t>aralelogramos</a:t>
+            </a:r>
+            <a:endParaRPr lang="es-ES" sz="900" dirty="0" smtClean="0">
+              <a:solidFill>
+                <a:schemeClr val="tx1"/>
+              </a:solidFill>
+              <a:latin typeface="Arial" panose="020B0604020202020204" pitchFamily="34" charset="0"/>
+              <a:cs typeface="Arial" panose="020B0604020202020204" pitchFamily="34" charset="0"/>
+            </a:endParaRPr>
           </a:p>
         </p:txBody>
       </p:sp>
@@ -4188,8 +4620,8 @@
         </p:nvSpPr>
         <p:spPr>
           <a:xfrm>
-            <a:off x="7548370" y="3688800"/>
-            <a:ext cx="689882" cy="956998"/>
+            <a:off x="7573084" y="3688800"/>
+            <a:ext cx="666839" cy="956998"/>
           </a:xfrm>
           <a:prstGeom prst="rect">
             <a:avLst/>
@@ -4224,6 +4656,16 @@
           <a:lstStyle/>
           <a:p>
             <a:r>
+              <a:rPr lang="es-ES" sz="900" dirty="0">
+                <a:solidFill>
+                  <a:schemeClr val="tx1"/>
+                </a:solidFill>
+                <a:latin typeface="Arial" panose="020B0604020202020204" pitchFamily="34" charset="0"/>
+                <a:cs typeface="Arial" panose="020B0604020202020204" pitchFamily="34" charset="0"/>
+              </a:rPr>
+              <a:t>t</a:t>
+            </a:r>
+            <a:r>
               <a:rPr lang="es-ES" sz="900" dirty="0" smtClean="0">
                 <a:solidFill>
                   <a:schemeClr val="tx1"/>
@@ -4231,7 +4673,7 @@
                 <a:latin typeface="Arial" panose="020B0604020202020204" pitchFamily="34" charset="0"/>
                 <a:cs typeface="Arial" panose="020B0604020202020204" pitchFamily="34" charset="0"/>
               </a:rPr>
-              <a:t>trapecios</a:t>
+              <a:t>rapecios</a:t>
             </a:r>
             <a:endParaRPr lang="es-ES" sz="900" dirty="0">
               <a:solidFill>
@@ -4251,8 +4693,8 @@
         </p:nvSpPr>
         <p:spPr>
           <a:xfrm>
-            <a:off x="7540817" y="5431815"/>
-            <a:ext cx="700870" cy="764178"/>
+            <a:off x="7557293" y="5431815"/>
+            <a:ext cx="700870" cy="856568"/>
           </a:xfrm>
           <a:prstGeom prst="rect">
             <a:avLst/>
@@ -4286,6 +4728,16 @@
           <a:p>
             <a:pPr algn="ctr"/>
             <a:r>
+              <a:rPr lang="es-ES" sz="900" dirty="0">
+                <a:solidFill>
+                  <a:schemeClr val="tx1"/>
+                </a:solidFill>
+                <a:latin typeface="Arial" panose="020B0604020202020204" pitchFamily="34" charset="0"/>
+                <a:cs typeface="Arial" panose="020B0604020202020204" pitchFamily="34" charset="0"/>
+              </a:rPr>
+              <a:t>s</a:t>
+            </a:r>
+            <a:r>
               <a:rPr lang="es-ES" sz="900" dirty="0" smtClean="0">
                 <a:solidFill>
                   <a:schemeClr val="tx1"/>
@@ -4293,7 +4745,17 @@
                 <a:latin typeface="Arial" panose="020B0604020202020204" pitchFamily="34" charset="0"/>
                 <a:cs typeface="Arial" panose="020B0604020202020204" pitchFamily="34" charset="0"/>
               </a:rPr>
-              <a:t>sólo tienen dos lados paralelos</a:t>
+              <a:t>olo </a:t>
+            </a:r>
+            <a:r>
+              <a:rPr lang="es-ES" sz="900" dirty="0" smtClean="0">
+                <a:solidFill>
+                  <a:schemeClr val="tx1"/>
+                </a:solidFill>
+                <a:latin typeface="Arial" panose="020B0604020202020204" pitchFamily="34" charset="0"/>
+                <a:cs typeface="Arial" panose="020B0604020202020204" pitchFamily="34" charset="0"/>
+              </a:rPr>
+              <a:t>tienen dos lados paralelos</a:t>
             </a:r>
             <a:endParaRPr lang="es-ES" sz="900" dirty="0">
               <a:solidFill>
@@ -4313,8 +4775,8 @@
         </p:nvSpPr>
         <p:spPr>
           <a:xfrm>
-            <a:off x="8355699" y="5414418"/>
-            <a:ext cx="693912" cy="781574"/>
+            <a:off x="8355699" y="5414417"/>
+            <a:ext cx="693912" cy="873965"/>
           </a:xfrm>
           <a:prstGeom prst="rect">
             <a:avLst/>
@@ -4348,6 +4810,16 @@
           <a:p>
             <a:pPr algn="ctr"/>
             <a:r>
+              <a:rPr lang="es-ES" sz="900" dirty="0">
+                <a:solidFill>
+                  <a:schemeClr val="tx1"/>
+                </a:solidFill>
+                <a:latin typeface="Arial" panose="020B0604020202020204" pitchFamily="34" charset="0"/>
+                <a:cs typeface="Arial" panose="020B0604020202020204" pitchFamily="34" charset="0"/>
+              </a:rPr>
+              <a:t>l</a:t>
+            </a:r>
+            <a:r>
               <a:rPr lang="es-ES" sz="900" dirty="0" smtClean="0">
                 <a:solidFill>
                   <a:schemeClr val="tx1"/>
@@ -4355,7 +4827,17 @@
                 <a:latin typeface="Arial" panose="020B0604020202020204" pitchFamily="34" charset="0"/>
                 <a:cs typeface="Arial" panose="020B0604020202020204" pitchFamily="34" charset="0"/>
               </a:rPr>
-              <a:t>los lados no son paralelos</a:t>
+              <a:t>os </a:t>
+            </a:r>
+            <a:r>
+              <a:rPr lang="es-ES" sz="900" dirty="0" smtClean="0">
+                <a:solidFill>
+                  <a:schemeClr val="tx1"/>
+                </a:solidFill>
+                <a:latin typeface="Arial" panose="020B0604020202020204" pitchFamily="34" charset="0"/>
+                <a:cs typeface="Arial" panose="020B0604020202020204" pitchFamily="34" charset="0"/>
+              </a:rPr>
+              <a:t>lados no son paralelos</a:t>
             </a:r>
             <a:endParaRPr lang="es-ES" sz="900" dirty="0">
               <a:solidFill>
@@ -4377,9 +4859,9 @@
           <p:nvPr/>
         </p:nvCxnSpPr>
         <p:spPr>
-          <a:xfrm rot="5400000">
-            <a:off x="7562290" y="3355691"/>
-            <a:ext cx="664131" cy="2087"/>
+          <a:xfrm rot="16200000" flipH="1">
+            <a:off x="7573005" y="3355300"/>
+            <a:ext cx="664131" cy="2868"/>
           </a:xfrm>
           <a:prstGeom prst="bentConnector3">
             <a:avLst>
@@ -4417,9 +4899,9 @@
           <p:nvPr/>
         </p:nvCxnSpPr>
         <p:spPr>
-          <a:xfrm rot="5400000">
-            <a:off x="7499274" y="5037777"/>
-            <a:ext cx="786017" cy="2059"/>
+          <a:xfrm rot="16200000" flipH="1">
+            <a:off x="7514108" y="5038194"/>
+            <a:ext cx="786017" cy="1224"/>
           </a:xfrm>
           <a:prstGeom prst="bentConnector3">
             <a:avLst>
@@ -4458,8 +4940,8 @@
         </p:nvCxnSpPr>
         <p:spPr>
           <a:xfrm rot="16200000" flipH="1">
-            <a:off x="7965748" y="2954318"/>
-            <a:ext cx="664131" cy="804831"/>
+            <a:off x="7969867" y="2958437"/>
+            <a:ext cx="664131" cy="796593"/>
           </a:xfrm>
           <a:prstGeom prst="bentConnector3">
             <a:avLst>
